--- a/DAMG_FIinal_PPT.pptx
+++ b/DAMG_FIinal_PPT.pptx
@@ -68,13 +68,13 @@
         </a:solidFill>
         <a:effectLst/>
         <a:uFillTx/>
-        <a:latin typeface="+mn-lt"/>
-        <a:ea typeface="+mn-ea"/>
-        <a:cs typeface="+mn-cs"/>
+        <a:latin typeface="+mj-lt"/>
+        <a:ea typeface="+mj-ea"/>
+        <a:cs typeface="+mj-cs"/>
         <a:sym typeface="Calibri"/>
       </a:defRPr>
     </a:lvl1pPr>
-    <a:lvl2pPr marL="0" marR="0" indent="457200" algn="l" defTabSz="914400" rtl="0" fontAlgn="auto" latinLnBrk="0" hangingPunct="0">
+    <a:lvl2pPr marL="0" marR="0" indent="0" algn="l" defTabSz="914400" rtl="0" fontAlgn="auto" latinLnBrk="0" hangingPunct="0">
       <a:lnSpc>
         <a:spcPct val="100000"/>
       </a:lnSpc>
@@ -98,13 +98,13 @@
         </a:solidFill>
         <a:effectLst/>
         <a:uFillTx/>
-        <a:latin typeface="+mn-lt"/>
-        <a:ea typeface="+mn-ea"/>
-        <a:cs typeface="+mn-cs"/>
+        <a:latin typeface="+mj-lt"/>
+        <a:ea typeface="+mj-ea"/>
+        <a:cs typeface="+mj-cs"/>
         <a:sym typeface="Calibri"/>
       </a:defRPr>
     </a:lvl2pPr>
-    <a:lvl3pPr marL="0" marR="0" indent="914400" algn="l" defTabSz="914400" rtl="0" fontAlgn="auto" latinLnBrk="0" hangingPunct="0">
+    <a:lvl3pPr marL="0" marR="0" indent="0" algn="l" defTabSz="914400" rtl="0" fontAlgn="auto" latinLnBrk="0" hangingPunct="0">
       <a:lnSpc>
         <a:spcPct val="100000"/>
       </a:lnSpc>
@@ -128,13 +128,13 @@
         </a:solidFill>
         <a:effectLst/>
         <a:uFillTx/>
-        <a:latin typeface="+mn-lt"/>
-        <a:ea typeface="+mn-ea"/>
-        <a:cs typeface="+mn-cs"/>
+        <a:latin typeface="+mj-lt"/>
+        <a:ea typeface="+mj-ea"/>
+        <a:cs typeface="+mj-cs"/>
         <a:sym typeface="Calibri"/>
       </a:defRPr>
     </a:lvl3pPr>
-    <a:lvl4pPr marL="0" marR="0" indent="1371600" algn="l" defTabSz="914400" rtl="0" fontAlgn="auto" latinLnBrk="0" hangingPunct="0">
+    <a:lvl4pPr marL="0" marR="0" indent="0" algn="l" defTabSz="914400" rtl="0" fontAlgn="auto" latinLnBrk="0" hangingPunct="0">
       <a:lnSpc>
         <a:spcPct val="100000"/>
       </a:lnSpc>
@@ -158,13 +158,13 @@
         </a:solidFill>
         <a:effectLst/>
         <a:uFillTx/>
-        <a:latin typeface="+mn-lt"/>
-        <a:ea typeface="+mn-ea"/>
-        <a:cs typeface="+mn-cs"/>
+        <a:latin typeface="+mj-lt"/>
+        <a:ea typeface="+mj-ea"/>
+        <a:cs typeface="+mj-cs"/>
         <a:sym typeface="Calibri"/>
       </a:defRPr>
     </a:lvl4pPr>
-    <a:lvl5pPr marL="0" marR="0" indent="1828800" algn="l" defTabSz="914400" rtl="0" fontAlgn="auto" latinLnBrk="0" hangingPunct="0">
+    <a:lvl5pPr marL="0" marR="0" indent="0" algn="l" defTabSz="914400" rtl="0" fontAlgn="auto" latinLnBrk="0" hangingPunct="0">
       <a:lnSpc>
         <a:spcPct val="100000"/>
       </a:lnSpc>
@@ -188,13 +188,13 @@
         </a:solidFill>
         <a:effectLst/>
         <a:uFillTx/>
-        <a:latin typeface="+mn-lt"/>
-        <a:ea typeface="+mn-ea"/>
-        <a:cs typeface="+mn-cs"/>
+        <a:latin typeface="+mj-lt"/>
+        <a:ea typeface="+mj-ea"/>
+        <a:cs typeface="+mj-cs"/>
         <a:sym typeface="Calibri"/>
       </a:defRPr>
     </a:lvl5pPr>
-    <a:lvl6pPr marL="0" marR="0" indent="2286000" algn="l" defTabSz="914400" rtl="0" fontAlgn="auto" latinLnBrk="0" hangingPunct="0">
+    <a:lvl6pPr marL="0" marR="0" indent="0" algn="l" defTabSz="914400" rtl="0" fontAlgn="auto" latinLnBrk="0" hangingPunct="0">
       <a:lnSpc>
         <a:spcPct val="100000"/>
       </a:lnSpc>
@@ -218,13 +218,13 @@
         </a:solidFill>
         <a:effectLst/>
         <a:uFillTx/>
-        <a:latin typeface="+mn-lt"/>
-        <a:ea typeface="+mn-ea"/>
-        <a:cs typeface="+mn-cs"/>
+        <a:latin typeface="+mj-lt"/>
+        <a:ea typeface="+mj-ea"/>
+        <a:cs typeface="+mj-cs"/>
         <a:sym typeface="Calibri"/>
       </a:defRPr>
     </a:lvl6pPr>
-    <a:lvl7pPr marL="0" marR="0" indent="2743200" algn="l" defTabSz="914400" rtl="0" fontAlgn="auto" latinLnBrk="0" hangingPunct="0">
+    <a:lvl7pPr marL="0" marR="0" indent="0" algn="l" defTabSz="914400" rtl="0" fontAlgn="auto" latinLnBrk="0" hangingPunct="0">
       <a:lnSpc>
         <a:spcPct val="100000"/>
       </a:lnSpc>
@@ -248,13 +248,13 @@
         </a:solidFill>
         <a:effectLst/>
         <a:uFillTx/>
-        <a:latin typeface="+mn-lt"/>
-        <a:ea typeface="+mn-ea"/>
-        <a:cs typeface="+mn-cs"/>
+        <a:latin typeface="+mj-lt"/>
+        <a:ea typeface="+mj-ea"/>
+        <a:cs typeface="+mj-cs"/>
         <a:sym typeface="Calibri"/>
       </a:defRPr>
     </a:lvl7pPr>
-    <a:lvl8pPr marL="0" marR="0" indent="3200400" algn="l" defTabSz="914400" rtl="0" fontAlgn="auto" latinLnBrk="0" hangingPunct="0">
+    <a:lvl8pPr marL="0" marR="0" indent="0" algn="l" defTabSz="914400" rtl="0" fontAlgn="auto" latinLnBrk="0" hangingPunct="0">
       <a:lnSpc>
         <a:spcPct val="100000"/>
       </a:lnSpc>
@@ -278,13 +278,13 @@
         </a:solidFill>
         <a:effectLst/>
         <a:uFillTx/>
-        <a:latin typeface="+mn-lt"/>
-        <a:ea typeface="+mn-ea"/>
-        <a:cs typeface="+mn-cs"/>
+        <a:latin typeface="+mj-lt"/>
+        <a:ea typeface="+mj-ea"/>
+        <a:cs typeface="+mj-cs"/>
         <a:sym typeface="Calibri"/>
       </a:defRPr>
     </a:lvl8pPr>
-    <a:lvl9pPr marL="0" marR="0" indent="3657600" algn="l" defTabSz="914400" rtl="0" fontAlgn="auto" latinLnBrk="0" hangingPunct="0">
+    <a:lvl9pPr marL="0" marR="0" indent="0" algn="l" defTabSz="914400" rtl="0" fontAlgn="auto" latinLnBrk="0" hangingPunct="0">
       <a:lnSpc>
         <a:spcPct val="100000"/>
       </a:lnSpc>
@@ -308,9 +308,9 @@
         </a:solidFill>
         <a:effectLst/>
         <a:uFillTx/>
-        <a:latin typeface="+mn-lt"/>
-        <a:ea typeface="+mn-ea"/>
-        <a:cs typeface="+mn-cs"/>
+        <a:latin typeface="+mj-lt"/>
+        <a:ea typeface="+mj-ea"/>
+        <a:cs typeface="+mj-cs"/>
         <a:sym typeface="Calibri"/>
       </a:defRPr>
     </a:lvl9pPr>
@@ -395,73 +395,73 @@
   <p:notesStyle>
     <a:lvl1pPr latinLnBrk="0">
       <a:defRPr sz="1200">
-        <a:latin typeface="+mn-lt"/>
-        <a:ea typeface="+mn-ea"/>
-        <a:cs typeface="+mn-cs"/>
+        <a:latin typeface="+mj-lt"/>
+        <a:ea typeface="+mj-ea"/>
+        <a:cs typeface="+mj-cs"/>
         <a:sym typeface="Calibri"/>
       </a:defRPr>
     </a:lvl1pPr>
     <a:lvl2pPr indent="228600" latinLnBrk="0">
       <a:defRPr sz="1200">
-        <a:latin typeface="+mn-lt"/>
-        <a:ea typeface="+mn-ea"/>
-        <a:cs typeface="+mn-cs"/>
+        <a:latin typeface="+mj-lt"/>
+        <a:ea typeface="+mj-ea"/>
+        <a:cs typeface="+mj-cs"/>
         <a:sym typeface="Calibri"/>
       </a:defRPr>
     </a:lvl2pPr>
     <a:lvl3pPr indent="457200" latinLnBrk="0">
       <a:defRPr sz="1200">
-        <a:latin typeface="+mn-lt"/>
-        <a:ea typeface="+mn-ea"/>
-        <a:cs typeface="+mn-cs"/>
+        <a:latin typeface="+mj-lt"/>
+        <a:ea typeface="+mj-ea"/>
+        <a:cs typeface="+mj-cs"/>
         <a:sym typeface="Calibri"/>
       </a:defRPr>
     </a:lvl3pPr>
     <a:lvl4pPr indent="685800" latinLnBrk="0">
       <a:defRPr sz="1200">
-        <a:latin typeface="+mn-lt"/>
-        <a:ea typeface="+mn-ea"/>
-        <a:cs typeface="+mn-cs"/>
+        <a:latin typeface="+mj-lt"/>
+        <a:ea typeface="+mj-ea"/>
+        <a:cs typeface="+mj-cs"/>
         <a:sym typeface="Calibri"/>
       </a:defRPr>
     </a:lvl4pPr>
     <a:lvl5pPr indent="914400" latinLnBrk="0">
       <a:defRPr sz="1200">
-        <a:latin typeface="+mn-lt"/>
-        <a:ea typeface="+mn-ea"/>
-        <a:cs typeface="+mn-cs"/>
+        <a:latin typeface="+mj-lt"/>
+        <a:ea typeface="+mj-ea"/>
+        <a:cs typeface="+mj-cs"/>
         <a:sym typeface="Calibri"/>
       </a:defRPr>
     </a:lvl5pPr>
     <a:lvl6pPr indent="1143000" latinLnBrk="0">
       <a:defRPr sz="1200">
-        <a:latin typeface="+mn-lt"/>
-        <a:ea typeface="+mn-ea"/>
-        <a:cs typeface="+mn-cs"/>
+        <a:latin typeface="+mj-lt"/>
+        <a:ea typeface="+mj-ea"/>
+        <a:cs typeface="+mj-cs"/>
         <a:sym typeface="Calibri"/>
       </a:defRPr>
     </a:lvl6pPr>
     <a:lvl7pPr indent="1371600" latinLnBrk="0">
       <a:defRPr sz="1200">
-        <a:latin typeface="+mn-lt"/>
-        <a:ea typeface="+mn-ea"/>
-        <a:cs typeface="+mn-cs"/>
+        <a:latin typeface="+mj-lt"/>
+        <a:ea typeface="+mj-ea"/>
+        <a:cs typeface="+mj-cs"/>
         <a:sym typeface="Calibri"/>
       </a:defRPr>
     </a:lvl7pPr>
     <a:lvl8pPr indent="1600200" latinLnBrk="0">
       <a:defRPr sz="1200">
-        <a:latin typeface="+mn-lt"/>
-        <a:ea typeface="+mn-ea"/>
-        <a:cs typeface="+mn-cs"/>
+        <a:latin typeface="+mj-lt"/>
+        <a:ea typeface="+mj-ea"/>
+        <a:cs typeface="+mj-cs"/>
         <a:sym typeface="Calibri"/>
       </a:defRPr>
     </a:lvl8pPr>
     <a:lvl9pPr indent="1828800" latinLnBrk="0">
       <a:defRPr sz="1200">
-        <a:latin typeface="+mn-lt"/>
-        <a:ea typeface="+mn-ea"/>
-        <a:cs typeface="+mn-cs"/>
+        <a:latin typeface="+mj-lt"/>
+        <a:ea typeface="+mj-ea"/>
+        <a:cs typeface="+mj-cs"/>
         <a:sym typeface="Calibri"/>
       </a:defRPr>
     </a:lvl9pPr>
@@ -544,7 +544,7 @@
                 </a:solidFill>
               </a:defRPr>
             </a:lvl1pPr>
-            <a:lvl2pPr marL="0" indent="457200" algn="ctr">
+            <a:lvl2pPr marL="0" indent="0" algn="ctr">
               <a:buSzTx/>
               <a:buFontTx/>
               <a:buNone/>
@@ -554,7 +554,7 @@
                 </a:solidFill>
               </a:defRPr>
             </a:lvl2pPr>
-            <a:lvl3pPr marL="0" indent="914400" algn="ctr">
+            <a:lvl3pPr marL="0" indent="0" algn="ctr">
               <a:buSzTx/>
               <a:buFontTx/>
               <a:buNone/>
@@ -564,7 +564,7 @@
                 </a:solidFill>
               </a:defRPr>
             </a:lvl3pPr>
-            <a:lvl4pPr marL="0" indent="1371600" algn="ctr">
+            <a:lvl4pPr marL="0" indent="0" algn="ctr">
               <a:buSzTx/>
               <a:buFontTx/>
               <a:buNone/>
@@ -574,7 +574,7 @@
                 </a:solidFill>
               </a:defRPr>
             </a:lvl4pPr>
-            <a:lvl5pPr marL="0" indent="1828800" algn="ctr">
+            <a:lvl5pPr marL="0" indent="0" algn="ctr">
               <a:buSzTx/>
               <a:buFontTx/>
               <a:buNone/>
@@ -674,10 +674,6 @@
           </p:nvPr>
         </p:nvSpPr>
         <p:spPr>
-          <a:xfrm>
-            <a:off x="457200" y="274638"/>
-            <a:ext cx="8229600" cy="1143001"/>
-          </a:xfrm>
           <a:prstGeom prst="rect">
             <a:avLst/>
           </a:prstGeom>
@@ -836,7 +832,7 @@
         <p:spPr>
           <a:xfrm>
             <a:off x="722312" y="2906713"/>
-            <a:ext cx="7772401" cy="1500188"/>
+            <a:ext cx="7772401" cy="1500189"/>
           </a:xfrm>
           <a:prstGeom prst="rect">
             <a:avLst/>
@@ -858,7 +854,7 @@
                 </a:solidFill>
               </a:defRPr>
             </a:lvl1pPr>
-            <a:lvl2pPr marL="0" indent="457200">
+            <a:lvl2pPr marL="0" indent="0">
               <a:spcBef>
                 <a:spcPts val="400"/>
               </a:spcBef>
@@ -871,7 +867,7 @@
                 </a:solidFill>
               </a:defRPr>
             </a:lvl2pPr>
-            <a:lvl3pPr marL="0" indent="914400">
+            <a:lvl3pPr marL="0" indent="0">
               <a:spcBef>
                 <a:spcPts val="400"/>
               </a:spcBef>
@@ -884,7 +880,7 @@
                 </a:solidFill>
               </a:defRPr>
             </a:lvl3pPr>
-            <a:lvl4pPr marL="0" indent="1371600">
+            <a:lvl4pPr marL="0" indent="0">
               <a:spcBef>
                 <a:spcPts val="400"/>
               </a:spcBef>
@@ -897,7 +893,7 @@
                 </a:solidFill>
               </a:defRPr>
             </a:lvl4pPr>
-            <a:lvl5pPr marL="0" indent="1828800">
+            <a:lvl5pPr marL="0" indent="0">
               <a:spcBef>
                 <a:spcPts val="400"/>
               </a:spcBef>
@@ -1000,10 +996,6 @@
           </p:nvPr>
         </p:nvSpPr>
         <p:spPr>
-          <a:xfrm>
-            <a:off x="457200" y="274638"/>
-            <a:ext cx="8229600" cy="1143001"/>
-          </a:xfrm>
           <a:prstGeom prst="rect">
             <a:avLst/>
           </a:prstGeom>
@@ -1051,7 +1043,7 @@
               </a:spcBef>
               <a:defRPr sz="2800"/>
             </a:lvl2pPr>
-            <a:lvl3pPr marL="1234439" indent="-320039">
+            <a:lvl3pPr marL="1234438" indent="-320038">
               <a:spcBef>
                 <a:spcPts val="600"/>
               </a:spcBef>
@@ -1159,10 +1151,6 @@
           </p:nvPr>
         </p:nvSpPr>
         <p:spPr>
-          <a:xfrm>
-            <a:off x="457200" y="274638"/>
-            <a:ext cx="8229600" cy="1143001"/>
-          </a:xfrm>
           <a:prstGeom prst="rect">
             <a:avLst/>
           </a:prstGeom>
@@ -1207,7 +1195,7 @@
               <a:buNone/>
               <a:defRPr b="1" sz="2400"/>
             </a:lvl1pPr>
-            <a:lvl2pPr marL="0" indent="457200">
+            <a:lvl2pPr marL="0" indent="0">
               <a:spcBef>
                 <a:spcPts val="500"/>
               </a:spcBef>
@@ -1216,7 +1204,7 @@
               <a:buNone/>
               <a:defRPr b="1" sz="2400"/>
             </a:lvl2pPr>
-            <a:lvl3pPr marL="0" indent="914400">
+            <a:lvl3pPr marL="0" indent="0">
               <a:spcBef>
                 <a:spcPts val="500"/>
               </a:spcBef>
@@ -1225,7 +1213,7 @@
               <a:buNone/>
               <a:defRPr b="1" sz="2400"/>
             </a:lvl3pPr>
-            <a:lvl4pPr marL="0" indent="1371600">
+            <a:lvl4pPr marL="0" indent="0">
               <a:spcBef>
                 <a:spcPts val="500"/>
               </a:spcBef>
@@ -1234,7 +1222,7 @@
               <a:buNone/>
               <a:defRPr b="1" sz="2400"/>
             </a:lvl4pPr>
-            <a:lvl5pPr marL="0" indent="1828800">
+            <a:lvl5pPr marL="0" indent="0">
               <a:spcBef>
                 <a:spcPts val="500"/>
               </a:spcBef>
@@ -1286,8 +1274,8 @@
         </p:nvSpPr>
         <p:spPr>
           <a:xfrm>
-            <a:off x="4645025" y="1535112"/>
-            <a:ext cx="4041775" cy="639763"/>
+            <a:off x="4645025" y="1535111"/>
+            <a:ext cx="4041775" cy="639765"/>
           </a:xfrm>
           <a:prstGeom prst="rect">
             <a:avLst/>
@@ -1297,15 +1285,7 @@
           <a:bodyPr anchor="b"/>
           <a:lstStyle/>
           <a:p>
-            <a:pPr marL="0" indent="0">
-              <a:spcBef>
-                <a:spcPts val="500"/>
-              </a:spcBef>
-              <a:buSzTx/>
-              <a:buFontTx/>
-              <a:buNone/>
-              <a:defRPr b="1" sz="2400"/>
-            </a:pPr>
+            <a:pPr/>
           </a:p>
         </p:txBody>
       </p:sp>
@@ -1366,10 +1346,6 @@
           </p:nvPr>
         </p:nvSpPr>
         <p:spPr>
-          <a:xfrm>
-            <a:off x="457200" y="274638"/>
-            <a:ext cx="8229600" cy="1143001"/>
-          </a:xfrm>
           <a:prstGeom prst="rect">
             <a:avLst/>
           </a:prstGeom>
@@ -1492,7 +1468,7 @@
         <p:spPr>
           <a:xfrm>
             <a:off x="457200" y="273050"/>
-            <a:ext cx="3008314" cy="1162050"/>
+            <a:ext cx="3008315" cy="1162050"/>
           </a:xfrm>
           <a:prstGeom prst="rect">
             <a:avLst/>
@@ -1575,8 +1551,8 @@
         </p:nvSpPr>
         <p:spPr>
           <a:xfrm>
-            <a:off x="457199" y="1435100"/>
-            <a:ext cx="3008315" cy="4691063"/>
+            <a:off x="457198" y="1435100"/>
+            <a:ext cx="3008316" cy="4691063"/>
           </a:xfrm>
           <a:prstGeom prst="rect">
             <a:avLst/>
@@ -1586,15 +1562,7 @@
           <a:bodyPr/>
           <a:lstStyle/>
           <a:p>
-            <a:pPr marL="0" indent="0">
-              <a:spcBef>
-                <a:spcPts val="300"/>
-              </a:spcBef>
-              <a:buSzTx/>
-              <a:buFontTx/>
-              <a:buNone/>
-              <a:defRPr sz="1400"/>
-            </a:pPr>
+            <a:pPr/>
           </a:p>
         </p:txBody>
       </p:sp>
@@ -1657,7 +1625,7 @@
         <p:spPr>
           <a:xfrm>
             <a:off x="1792288" y="4800600"/>
-            <a:ext cx="5486401" cy="566738"/>
+            <a:ext cx="5486402" cy="566738"/>
           </a:xfrm>
           <a:prstGeom prst="rect">
             <a:avLst/>
@@ -1689,14 +1657,14 @@
         <p:spPr>
           <a:xfrm>
             <a:off x="1792288" y="612775"/>
-            <a:ext cx="5486401" cy="4114800"/>
+            <a:ext cx="5486402" cy="4114800"/>
           </a:xfrm>
           <a:prstGeom prst="rect">
             <a:avLst/>
           </a:prstGeom>
         </p:spPr>
         <p:txBody>
-          <a:bodyPr lIns="91439" rIns="91439">
+          <a:bodyPr lIns="91439" tIns="45719" rIns="91439" bIns="45719">
             <a:noAutofit/>
           </a:bodyPr>
           <a:lstStyle/>
@@ -1716,7 +1684,7 @@
         <p:spPr>
           <a:xfrm>
             <a:off x="1792288" y="5367337"/>
-            <a:ext cx="5486401" cy="804863"/>
+            <a:ext cx="5486402" cy="804864"/>
           </a:xfrm>
           <a:prstGeom prst="rect">
             <a:avLst/>
@@ -1734,7 +1702,7 @@
               <a:buNone/>
               <a:defRPr sz="1400"/>
             </a:lvl1pPr>
-            <a:lvl2pPr marL="0" indent="457200">
+            <a:lvl2pPr marL="0" indent="0">
               <a:spcBef>
                 <a:spcPts val="300"/>
               </a:spcBef>
@@ -1743,7 +1711,7 @@
               <a:buNone/>
               <a:defRPr sz="1400"/>
             </a:lvl2pPr>
-            <a:lvl3pPr marL="0" indent="914400">
+            <a:lvl3pPr marL="0" indent="0">
               <a:spcBef>
                 <a:spcPts val="300"/>
               </a:spcBef>
@@ -1752,7 +1720,7 @@
               <a:buNone/>
               <a:defRPr sz="1400"/>
             </a:lvl3pPr>
-            <a:lvl4pPr marL="0" indent="1371600">
+            <a:lvl4pPr marL="0" indent="0">
               <a:spcBef>
                 <a:spcPts val="300"/>
               </a:spcBef>
@@ -1761,7 +1729,7 @@
               <a:buNone/>
               <a:defRPr sz="1400"/>
             </a:lvl4pPr>
-            <a:lvl5pPr marL="0" indent="1828800">
+            <a:lvl5pPr marL="0" indent="0">
               <a:spcBef>
                 <a:spcPts val="300"/>
               </a:spcBef>
@@ -1868,8 +1836,8 @@
         </p:nvSpPr>
         <p:spPr>
           <a:xfrm>
-            <a:off x="914400" y="138112"/>
-            <a:ext cx="16459200" cy="2262188"/>
+            <a:off x="457200" y="274638"/>
+            <a:ext cx="8229600" cy="1143001"/>
           </a:xfrm>
           <a:prstGeom prst="rect">
             <a:avLst/>
@@ -1884,7 +1852,7 @@
           </a:extLst>
         </p:spPr>
         <p:txBody>
-          <a:bodyPr lIns="45719" rIns="45719" anchor="ctr">
+          <a:bodyPr lIns="45718" tIns="45718" rIns="45718" bIns="45718" anchor="ctr">
             <a:normAutofit fontScale="100000" lnSpcReduction="0"/>
           </a:bodyPr>
           <a:lstStyle/>
@@ -1906,8 +1874,8 @@
         </p:nvSpPr>
         <p:spPr>
           <a:xfrm>
-            <a:off x="914400" y="2400300"/>
-            <a:ext cx="16459200" cy="7886700"/>
+            <a:off x="10207625" y="3657600"/>
+            <a:ext cx="7162800" cy="6629400"/>
           </a:xfrm>
           <a:prstGeom prst="rect">
             <a:avLst/>
@@ -1922,7 +1890,7 @@
           </a:extLst>
         </p:spPr>
         <p:txBody>
-          <a:bodyPr lIns="45719" rIns="45719">
+          <a:bodyPr lIns="45718" tIns="45718" rIns="45718" bIns="45718">
             <a:normAutofit fontScale="100000" lnSpcReduction="0"/>
           </a:bodyPr>
           <a:lstStyle/>
@@ -1968,8 +1936,8 @@
         </p:nvSpPr>
         <p:spPr>
           <a:xfrm>
-            <a:off x="8428176" y="6414760"/>
-            <a:ext cx="258624" cy="248305"/>
+            <a:off x="8428178" y="6414761"/>
+            <a:ext cx="258623" cy="248303"/>
           </a:xfrm>
           <a:prstGeom prst="rect">
             <a:avLst/>
@@ -1979,7 +1947,7 @@
           </a:ln>
         </p:spPr>
         <p:txBody>
-          <a:bodyPr wrap="none" lIns="45719" rIns="45719" anchor="ctr">
+          <a:bodyPr wrap="none" lIns="45718" tIns="45718" rIns="45718" bIns="45718" anchor="ctr">
             <a:spAutoFit/>
           </a:bodyPr>
           <a:lstStyle>
@@ -2034,9 +2002,9 @@
             <a:srgbClr val="000000"/>
           </a:solidFill>
           <a:uFillTx/>
-          <a:latin typeface="+mn-lt"/>
-          <a:ea typeface="+mn-ea"/>
-          <a:cs typeface="+mn-cs"/>
+          <a:latin typeface="+mj-lt"/>
+          <a:ea typeface="+mj-ea"/>
+          <a:cs typeface="+mj-cs"/>
           <a:sym typeface="Calibri"/>
         </a:defRPr>
       </a:lvl1pPr>
@@ -2060,9 +2028,9 @@
             <a:srgbClr val="000000"/>
           </a:solidFill>
           <a:uFillTx/>
-          <a:latin typeface="+mn-lt"/>
-          <a:ea typeface="+mn-ea"/>
-          <a:cs typeface="+mn-cs"/>
+          <a:latin typeface="+mj-lt"/>
+          <a:ea typeface="+mj-ea"/>
+          <a:cs typeface="+mj-cs"/>
           <a:sym typeface="Calibri"/>
         </a:defRPr>
       </a:lvl2pPr>
@@ -2086,9 +2054,9 @@
             <a:srgbClr val="000000"/>
           </a:solidFill>
           <a:uFillTx/>
-          <a:latin typeface="+mn-lt"/>
-          <a:ea typeface="+mn-ea"/>
-          <a:cs typeface="+mn-cs"/>
+          <a:latin typeface="+mj-lt"/>
+          <a:ea typeface="+mj-ea"/>
+          <a:cs typeface="+mj-cs"/>
           <a:sym typeface="Calibri"/>
         </a:defRPr>
       </a:lvl3pPr>
@@ -2112,9 +2080,9 @@
             <a:srgbClr val="000000"/>
           </a:solidFill>
           <a:uFillTx/>
-          <a:latin typeface="+mn-lt"/>
-          <a:ea typeface="+mn-ea"/>
-          <a:cs typeface="+mn-cs"/>
+          <a:latin typeface="+mj-lt"/>
+          <a:ea typeface="+mj-ea"/>
+          <a:cs typeface="+mj-cs"/>
           <a:sym typeface="Calibri"/>
         </a:defRPr>
       </a:lvl4pPr>
@@ -2138,9 +2106,9 @@
             <a:srgbClr val="000000"/>
           </a:solidFill>
           <a:uFillTx/>
-          <a:latin typeface="+mn-lt"/>
-          <a:ea typeface="+mn-ea"/>
-          <a:cs typeface="+mn-cs"/>
+          <a:latin typeface="+mj-lt"/>
+          <a:ea typeface="+mj-ea"/>
+          <a:cs typeface="+mj-cs"/>
           <a:sym typeface="Calibri"/>
         </a:defRPr>
       </a:lvl5pPr>
@@ -2164,9 +2132,9 @@
             <a:srgbClr val="000000"/>
           </a:solidFill>
           <a:uFillTx/>
-          <a:latin typeface="+mn-lt"/>
-          <a:ea typeface="+mn-ea"/>
-          <a:cs typeface="+mn-cs"/>
+          <a:latin typeface="+mj-lt"/>
+          <a:ea typeface="+mj-ea"/>
+          <a:cs typeface="+mj-cs"/>
           <a:sym typeface="Calibri"/>
         </a:defRPr>
       </a:lvl6pPr>
@@ -2190,9 +2158,9 @@
             <a:srgbClr val="000000"/>
           </a:solidFill>
           <a:uFillTx/>
-          <a:latin typeface="+mn-lt"/>
-          <a:ea typeface="+mn-ea"/>
-          <a:cs typeface="+mn-cs"/>
+          <a:latin typeface="+mj-lt"/>
+          <a:ea typeface="+mj-ea"/>
+          <a:cs typeface="+mj-cs"/>
           <a:sym typeface="Calibri"/>
         </a:defRPr>
       </a:lvl7pPr>
@@ -2216,9 +2184,9 @@
             <a:srgbClr val="000000"/>
           </a:solidFill>
           <a:uFillTx/>
-          <a:latin typeface="+mn-lt"/>
-          <a:ea typeface="+mn-ea"/>
-          <a:cs typeface="+mn-cs"/>
+          <a:latin typeface="+mj-lt"/>
+          <a:ea typeface="+mj-ea"/>
+          <a:cs typeface="+mj-cs"/>
           <a:sym typeface="Calibri"/>
         </a:defRPr>
       </a:lvl8pPr>
@@ -2242,9 +2210,9 @@
             <a:srgbClr val="000000"/>
           </a:solidFill>
           <a:uFillTx/>
-          <a:latin typeface="+mn-lt"/>
-          <a:ea typeface="+mn-ea"/>
-          <a:cs typeface="+mn-cs"/>
+          <a:latin typeface="+mj-lt"/>
+          <a:ea typeface="+mj-ea"/>
+          <a:cs typeface="+mj-cs"/>
           <a:sym typeface="Calibri"/>
         </a:defRPr>
       </a:lvl9pPr>
@@ -2270,9 +2238,9 @@
             <a:srgbClr val="000000"/>
           </a:solidFill>
           <a:uFillTx/>
-          <a:latin typeface="+mn-lt"/>
-          <a:ea typeface="+mn-ea"/>
-          <a:cs typeface="+mn-cs"/>
+          <a:latin typeface="+mj-lt"/>
+          <a:ea typeface="+mj-ea"/>
+          <a:cs typeface="+mj-cs"/>
           <a:sym typeface="Calibri"/>
         </a:defRPr>
       </a:lvl1pPr>
@@ -2296,9 +2264,9 @@
             <a:srgbClr val="000000"/>
           </a:solidFill>
           <a:uFillTx/>
-          <a:latin typeface="+mn-lt"/>
-          <a:ea typeface="+mn-ea"/>
-          <a:cs typeface="+mn-cs"/>
+          <a:latin typeface="+mj-lt"/>
+          <a:ea typeface="+mj-ea"/>
+          <a:cs typeface="+mj-cs"/>
           <a:sym typeface="Calibri"/>
         </a:defRPr>
       </a:lvl2pPr>
@@ -2322,9 +2290,9 @@
             <a:srgbClr val="000000"/>
           </a:solidFill>
           <a:uFillTx/>
-          <a:latin typeface="+mn-lt"/>
-          <a:ea typeface="+mn-ea"/>
-          <a:cs typeface="+mn-cs"/>
+          <a:latin typeface="+mj-lt"/>
+          <a:ea typeface="+mj-ea"/>
+          <a:cs typeface="+mj-cs"/>
           <a:sym typeface="Calibri"/>
         </a:defRPr>
       </a:lvl3pPr>
@@ -2348,9 +2316,9 @@
             <a:srgbClr val="000000"/>
           </a:solidFill>
           <a:uFillTx/>
-          <a:latin typeface="+mn-lt"/>
-          <a:ea typeface="+mn-ea"/>
-          <a:cs typeface="+mn-cs"/>
+          <a:latin typeface="+mj-lt"/>
+          <a:ea typeface="+mj-ea"/>
+          <a:cs typeface="+mj-cs"/>
           <a:sym typeface="Calibri"/>
         </a:defRPr>
       </a:lvl4pPr>
@@ -2374,9 +2342,9 @@
             <a:srgbClr val="000000"/>
           </a:solidFill>
           <a:uFillTx/>
-          <a:latin typeface="+mn-lt"/>
-          <a:ea typeface="+mn-ea"/>
-          <a:cs typeface="+mn-cs"/>
+          <a:latin typeface="+mj-lt"/>
+          <a:ea typeface="+mj-ea"/>
+          <a:cs typeface="+mj-cs"/>
           <a:sym typeface="Calibri"/>
         </a:defRPr>
       </a:lvl5pPr>
@@ -2400,9 +2368,9 @@
             <a:srgbClr val="000000"/>
           </a:solidFill>
           <a:uFillTx/>
-          <a:latin typeface="+mn-lt"/>
-          <a:ea typeface="+mn-ea"/>
-          <a:cs typeface="+mn-cs"/>
+          <a:latin typeface="+mj-lt"/>
+          <a:ea typeface="+mj-ea"/>
+          <a:cs typeface="+mj-cs"/>
           <a:sym typeface="Calibri"/>
         </a:defRPr>
       </a:lvl6pPr>
@@ -2426,9 +2394,9 @@
             <a:srgbClr val="000000"/>
           </a:solidFill>
           <a:uFillTx/>
-          <a:latin typeface="+mn-lt"/>
-          <a:ea typeface="+mn-ea"/>
-          <a:cs typeface="+mn-cs"/>
+          <a:latin typeface="+mj-lt"/>
+          <a:ea typeface="+mj-ea"/>
+          <a:cs typeface="+mj-cs"/>
           <a:sym typeface="Calibri"/>
         </a:defRPr>
       </a:lvl7pPr>
@@ -2452,9 +2420,9 @@
             <a:srgbClr val="000000"/>
           </a:solidFill>
           <a:uFillTx/>
-          <a:latin typeface="+mn-lt"/>
-          <a:ea typeface="+mn-ea"/>
-          <a:cs typeface="+mn-cs"/>
+          <a:latin typeface="+mj-lt"/>
+          <a:ea typeface="+mj-ea"/>
+          <a:cs typeface="+mj-cs"/>
           <a:sym typeface="Calibri"/>
         </a:defRPr>
       </a:lvl8pPr>
@@ -2478,9 +2446,9 @@
             <a:srgbClr val="000000"/>
           </a:solidFill>
           <a:uFillTx/>
-          <a:latin typeface="+mn-lt"/>
-          <a:ea typeface="+mn-ea"/>
-          <a:cs typeface="+mn-cs"/>
+          <a:latin typeface="+mj-lt"/>
+          <a:ea typeface="+mj-ea"/>
+          <a:cs typeface="+mj-cs"/>
           <a:sym typeface="Calibri"/>
         </a:defRPr>
       </a:lvl9pPr>
@@ -2512,7 +2480,7 @@
           <a:sym typeface="Calibri"/>
         </a:defRPr>
       </a:lvl1pPr>
-      <a:lvl2pPr marL="0" marR="0" indent="457200" algn="r" defTabSz="914400" rtl="0" latinLnBrk="0">
+      <a:lvl2pPr marL="0" marR="0" indent="0" algn="r" defTabSz="914400" rtl="0" latinLnBrk="0">
         <a:lnSpc>
           <a:spcPct val="100000"/>
         </a:lnSpc>
@@ -2538,7 +2506,7 @@
           <a:sym typeface="Calibri"/>
         </a:defRPr>
       </a:lvl2pPr>
-      <a:lvl3pPr marL="0" marR="0" indent="914400" algn="r" defTabSz="914400" rtl="0" latinLnBrk="0">
+      <a:lvl3pPr marL="0" marR="0" indent="0" algn="r" defTabSz="914400" rtl="0" latinLnBrk="0">
         <a:lnSpc>
           <a:spcPct val="100000"/>
         </a:lnSpc>
@@ -2564,7 +2532,7 @@
           <a:sym typeface="Calibri"/>
         </a:defRPr>
       </a:lvl3pPr>
-      <a:lvl4pPr marL="0" marR="0" indent="1371600" algn="r" defTabSz="914400" rtl="0" latinLnBrk="0">
+      <a:lvl4pPr marL="0" marR="0" indent="0" algn="r" defTabSz="914400" rtl="0" latinLnBrk="0">
         <a:lnSpc>
           <a:spcPct val="100000"/>
         </a:lnSpc>
@@ -2590,7 +2558,7 @@
           <a:sym typeface="Calibri"/>
         </a:defRPr>
       </a:lvl4pPr>
-      <a:lvl5pPr marL="0" marR="0" indent="1828800" algn="r" defTabSz="914400" rtl="0" latinLnBrk="0">
+      <a:lvl5pPr marL="0" marR="0" indent="0" algn="r" defTabSz="914400" rtl="0" latinLnBrk="0">
         <a:lnSpc>
           <a:spcPct val="100000"/>
         </a:lnSpc>
@@ -2616,7 +2584,7 @@
           <a:sym typeface="Calibri"/>
         </a:defRPr>
       </a:lvl5pPr>
-      <a:lvl6pPr marL="0" marR="0" indent="2286000" algn="r" defTabSz="914400" rtl="0" latinLnBrk="0">
+      <a:lvl6pPr marL="0" marR="0" indent="0" algn="r" defTabSz="914400" rtl="0" latinLnBrk="0">
         <a:lnSpc>
           <a:spcPct val="100000"/>
         </a:lnSpc>
@@ -2642,7 +2610,7 @@
           <a:sym typeface="Calibri"/>
         </a:defRPr>
       </a:lvl6pPr>
-      <a:lvl7pPr marL="0" marR="0" indent="2743200" algn="r" defTabSz="914400" rtl="0" latinLnBrk="0">
+      <a:lvl7pPr marL="0" marR="0" indent="0" algn="r" defTabSz="914400" rtl="0" latinLnBrk="0">
         <a:lnSpc>
           <a:spcPct val="100000"/>
         </a:lnSpc>
@@ -2668,7 +2636,7 @@
           <a:sym typeface="Calibri"/>
         </a:defRPr>
       </a:lvl7pPr>
-      <a:lvl8pPr marL="0" marR="0" indent="3200400" algn="r" defTabSz="914400" rtl="0" latinLnBrk="0">
+      <a:lvl8pPr marL="0" marR="0" indent="0" algn="r" defTabSz="914400" rtl="0" latinLnBrk="0">
         <a:lnSpc>
           <a:spcPct val="100000"/>
         </a:lnSpc>
@@ -2694,7 +2662,7 @@
           <a:sym typeface="Calibri"/>
         </a:defRPr>
       </a:lvl8pPr>
-      <a:lvl9pPr marL="0" marR="0" indent="3657600" algn="r" defTabSz="914400" rtl="0" latinLnBrk="0">
+      <a:lvl9pPr marL="0" marR="0" indent="0" algn="r" defTabSz="914400" rtl="0" latinLnBrk="0">
         <a:lnSpc>
           <a:spcPct val="100000"/>
         </a:lnSpc>
@@ -2884,8 +2852,8 @@
         </p:nvSpPr>
         <p:spPr>
           <a:xfrm>
-            <a:off x="6473197" y="6352275"/>
-            <a:ext cx="5903233" cy="2526308"/>
+            <a:off x="6473198" y="6214122"/>
+            <a:ext cx="5903234" cy="3542308"/>
           </a:xfrm>
           <a:prstGeom prst="rect">
             <a:avLst/>
@@ -2966,6 +2934,35 @@
             </a:pPr>
             <a:r>
               <a:t>Satadru Debnath</a:t>
+            </a:r>
+          </a:p>
+          <a:p>
+            <a:pPr algn="ctr">
+              <a:lnSpc>
+                <a:spcPts val="4000"/>
+              </a:lnSpc>
+              <a:defRPr sz="3200">
+                <a:latin typeface="Times New Roman"/>
+                <a:ea typeface="Times New Roman"/>
+                <a:cs typeface="Times New Roman"/>
+                <a:sym typeface="Times New Roman"/>
+              </a:defRPr>
+            </a:pPr>
+          </a:p>
+          <a:p>
+            <a:pPr algn="ctr">
+              <a:lnSpc>
+                <a:spcPts val="4000"/>
+              </a:lnSpc>
+              <a:defRPr sz="3200">
+                <a:latin typeface="Times New Roman"/>
+                <a:ea typeface="Times New Roman"/>
+                <a:cs typeface="Times New Roman"/>
+                <a:sym typeface="Times New Roman"/>
+              </a:defRPr>
+            </a:pPr>
+            <a:r>
+              <a:t>Under the Guidance of Prof. Naveen Kuragayala</a:t>
             </a:r>
           </a:p>
         </p:txBody>
@@ -3011,11 +3008,8 @@
             </a:lvl1pPr>
           </a:lstStyle>
           <a:p>
-            <a:pPr>
-              <a:defRPr sz="5000"/>
-            </a:pPr>
-            <a:r>
-              <a:rPr sz="3200"/>
+            <a:pPr/>
+            <a:r>
               <a:t>Group: Database</a:t>
             </a:r>
           </a:p>
@@ -3055,8 +3049,8 @@
         </p:nvSpPr>
         <p:spPr>
           <a:xfrm>
-            <a:off x="0" y="-1"/>
-            <a:ext cx="18287996" cy="2702421"/>
+            <a:off x="0" y="-2"/>
+            <a:ext cx="18287996" cy="2702423"/>
           </a:xfrm>
           <a:prstGeom prst="rect">
             <a:avLst/>
@@ -3069,7 +3063,7 @@
           </a:ln>
         </p:spPr>
         <p:txBody>
-          <a:bodyPr lIns="45719" rIns="45719"/>
+          <a:bodyPr lIns="45718" tIns="45718" rIns="45718" bIns="45718"/>
           <a:lstStyle/>
           <a:p>
             <a:pPr/>
@@ -3095,8 +3089,8 @@
         </p:blipFill>
         <p:spPr>
           <a:xfrm>
-            <a:off x="2289811" y="2037009"/>
-            <a:ext cx="13708379" cy="7710964"/>
+            <a:off x="2289811" y="2037008"/>
+            <a:ext cx="13708379" cy="7710966"/>
           </a:xfrm>
           <a:prstGeom prst="rect">
             <a:avLst/>
@@ -3165,7 +3159,7 @@
         </p:nvSpPr>
         <p:spPr>
           <a:xfrm>
-            <a:off x="1028700" y="3053684"/>
+            <a:off x="1028700" y="3053683"/>
             <a:ext cx="16230600" cy="3768590"/>
           </a:xfrm>
           <a:prstGeom prst="rect">
@@ -3186,7 +3180,7 @@
           </a:bodyPr>
           <a:lstStyle/>
           <a:p>
-            <a:pPr lvl="1" marL="820090" indent="-410045" algn="just">
+            <a:pPr lvl="1" marL="820089" indent="-410044" algn="just">
               <a:lnSpc>
                 <a:spcPts val="6000"/>
               </a:lnSpc>
@@ -3215,7 +3209,7 @@
         <p:spPr>
           <a:xfrm>
             <a:off x="1028699" y="9258300"/>
-            <a:ext cx="87436" cy="302256"/>
+            <a:ext cx="87437" cy="302256"/>
           </a:xfrm>
           <a:prstGeom prst="rect">
             <a:avLst/>
@@ -3288,8 +3282,8 @@
         </p:nvSpPr>
         <p:spPr>
           <a:xfrm>
-            <a:off x="0" y="-1"/>
-            <a:ext cx="18287996" cy="2702421"/>
+            <a:off x="0" y="-2"/>
+            <a:ext cx="18287996" cy="2702423"/>
           </a:xfrm>
           <a:prstGeom prst="rect">
             <a:avLst/>
@@ -3302,7 +3296,7 @@
           </a:ln>
         </p:spPr>
         <p:txBody>
-          <a:bodyPr lIns="45719" rIns="45719"/>
+          <a:bodyPr lIns="45718" tIns="45718" rIns="45718" bIns="45718"/>
           <a:lstStyle/>
           <a:p>
             <a:pPr/>
@@ -3328,8 +3322,8 @@
         </p:blipFill>
         <p:spPr>
           <a:xfrm>
-            <a:off x="2289811" y="2037009"/>
-            <a:ext cx="13708379" cy="7710964"/>
+            <a:off x="2289811" y="2037008"/>
+            <a:ext cx="13708379" cy="7710966"/>
           </a:xfrm>
           <a:prstGeom prst="rect">
             <a:avLst/>
@@ -3339,102 +3333,23 @@
           </a:ln>
         </p:spPr>
       </p:pic>
-      <p:sp>
-        <p:nvSpPr>
-          <p:cNvPr id="108" name="TextBox 6"/>
-          <p:cNvSpPr txBox="1"/>
-          <p:nvPr/>
-        </p:nvSpPr>
-        <p:spPr>
-          <a:xfrm>
-            <a:off x="1028699" y="655885"/>
-            <a:ext cx="12868393" cy="1360148"/>
-          </a:xfrm>
-          <a:prstGeom prst="rect">
-            <a:avLst/>
-          </a:prstGeom>
-          <a:ln w="12700">
-            <a:miter lim="400000"/>
-          </a:ln>
-        </p:spPr>
-        <p:txBody>
-          <a:bodyPr lIns="0" tIns="0" rIns="0" bIns="0">
-            <a:spAutoFit/>
-          </a:bodyPr>
-          <a:lstStyle/>
-          <a:p>
-            <a:pPr>
-              <a:lnSpc>
-                <a:spcPts val="10800"/>
-              </a:lnSpc>
-              <a:defRPr sz="9000">
-                <a:solidFill>
-                  <a:srgbClr val="FAEFE6"/>
-                </a:solidFill>
-                <a:latin typeface="Hagrid"/>
-                <a:ea typeface="Hagrid"/>
-                <a:cs typeface="Hagrid"/>
-                <a:sym typeface="Hagrid"/>
-              </a:defRPr>
-            </a:pPr>
-          </a:p>
-        </p:txBody>
-      </p:sp>
-      <p:sp>
-        <p:nvSpPr>
-          <p:cNvPr id="109" name="TextBox 7"/>
-          <p:cNvSpPr txBox="1"/>
-          <p:nvPr/>
-        </p:nvSpPr>
-        <p:spPr>
-          <a:xfrm>
-            <a:off x="1028700" y="3053684"/>
-            <a:ext cx="16230600" cy="717669"/>
-          </a:xfrm>
-          <a:prstGeom prst="rect">
-            <a:avLst/>
-          </a:prstGeom>
-          <a:ln w="12700">
-            <a:miter lim="400000"/>
-          </a:ln>
-        </p:spPr>
-        <p:txBody>
-          <a:bodyPr lIns="0" tIns="0" rIns="0" bIns="0">
-            <a:spAutoFit/>
-          </a:bodyPr>
-          <a:lstStyle/>
-          <a:p>
-            <a:pPr algn="just">
-              <a:lnSpc>
-                <a:spcPts val="6000"/>
-              </a:lnSpc>
-              <a:defRPr sz="3700">
-                <a:latin typeface="Times New Roman Medium"/>
-                <a:ea typeface="Times New Roman Medium"/>
-                <a:cs typeface="Times New Roman Medium"/>
-                <a:sym typeface="Times New Roman Medium"/>
-              </a:defRPr>
-            </a:pPr>
-          </a:p>
-        </p:txBody>
-      </p:sp>
       <p:grpSp>
         <p:nvGrpSpPr>
-          <p:cNvPr id="112" name="Image Gallery"/>
+          <p:cNvPr id="110" name="Image Gallery"/>
           <p:cNvGrpSpPr/>
           <p:nvPr/>
         </p:nvGrpSpPr>
         <p:grpSpPr>
           <a:xfrm>
-            <a:off x="1417911" y="44993"/>
-            <a:ext cx="15452178" cy="10566928"/>
+            <a:off x="3211064" y="468032"/>
+            <a:ext cx="12140020" cy="10033001"/>
             <a:chOff x="0" y="0"/>
-            <a:chExt cx="15452176" cy="10566927"/>
+            <a:chExt cx="12140018" cy="10033000"/>
           </a:xfrm>
         </p:grpSpPr>
         <p:pic>
           <p:nvPicPr>
-            <p:cNvPr id="110" name="final_er_diagram.jpeg" descr="final_er_diagram.jpeg"/>
+            <p:cNvPr id="108" name="Database ER diagram (crow's foot).jpeg" descr="Database ER diagram (crow's foot).jpeg"/>
             <p:cNvPicPr>
               <a:picLocks noChangeAspect="1"/>
             </p:cNvPicPr>
@@ -3444,7 +3359,7 @@
             <a:blip r:embed="rId3">
               <a:extLst/>
             </a:blip>
-            <a:srcRect l="0" t="7720" r="0" b="7720"/>
+            <a:srcRect l="950" t="0" r="950" b="0"/>
             <a:stretch>
               <a:fillRect/>
             </a:stretch>
@@ -3452,7 +3367,7 @@
           <p:spPr>
             <a:xfrm>
               <a:off x="0" y="0"/>
-              <a:ext cx="15452177" cy="10096680"/>
+              <a:ext cx="12140019" cy="9562753"/>
             </a:xfrm>
             <a:prstGeom prst="rect">
               <a:avLst/>
@@ -3466,14 +3381,14 @@
         </p:pic>
         <p:sp>
           <p:nvSpPr>
-            <p:cNvPr id="111" name="Caption"/>
+            <p:cNvPr id="109" name="Caption"/>
             <p:cNvSpPr/>
             <p:nvPr/>
           </p:nvSpPr>
           <p:spPr>
             <a:xfrm>
-              <a:off x="0" y="10172879"/>
-              <a:ext cx="15452177" cy="394049"/>
+              <a:off x="0" y="9638952"/>
+              <a:ext cx="12140019" cy="394049"/>
             </a:xfrm>
             <a:prstGeom prst="rect">
               <a:avLst/>
@@ -3532,14 +3447,14 @@
       </p:grpSpPr>
       <p:sp>
         <p:nvSpPr>
-          <p:cNvPr id="114" name="Freeform 3"/>
+          <p:cNvPr id="112" name="Freeform 3"/>
           <p:cNvSpPr/>
           <p:nvPr/>
         </p:nvSpPr>
         <p:spPr>
           <a:xfrm>
-            <a:off x="0" y="-1"/>
-            <a:ext cx="18287996" cy="2702421"/>
+            <a:off x="0" y="-2"/>
+            <a:ext cx="18287996" cy="2702423"/>
           </a:xfrm>
           <a:prstGeom prst="rect">
             <a:avLst/>
@@ -3552,7 +3467,7 @@
           </a:ln>
         </p:spPr>
         <p:txBody>
-          <a:bodyPr lIns="45719" rIns="45719"/>
+          <a:bodyPr lIns="45718" tIns="45718" rIns="45718" bIns="45718"/>
           <a:lstStyle/>
           <a:p>
             <a:pPr/>
@@ -3561,7 +3476,7 @@
       </p:sp>
       <p:pic>
         <p:nvPicPr>
-          <p:cNvPr id="115" name="Picture 5" descr="Picture 5"/>
+          <p:cNvPr id="113" name="Picture 5" descr="Picture 5"/>
           <p:cNvPicPr>
             <a:picLocks noChangeAspect="1"/>
           </p:cNvPicPr>
@@ -3578,8 +3493,8 @@
         </p:blipFill>
         <p:spPr>
           <a:xfrm>
-            <a:off x="2289811" y="2037009"/>
-            <a:ext cx="13708379" cy="7710964"/>
+            <a:off x="2289811" y="2037008"/>
+            <a:ext cx="13708379" cy="7710966"/>
           </a:xfrm>
           <a:prstGeom prst="rect">
             <a:avLst/>
@@ -3591,14 +3506,14 @@
       </p:pic>
       <p:sp>
         <p:nvSpPr>
-          <p:cNvPr id="116" name="TextBox 6"/>
+          <p:cNvPr id="114" name="TextBox 6"/>
           <p:cNvSpPr txBox="1"/>
           <p:nvPr/>
         </p:nvSpPr>
         <p:spPr>
           <a:xfrm>
             <a:off x="714588" y="960684"/>
-            <a:ext cx="16858824" cy="2124694"/>
+            <a:ext cx="16858824" cy="1057893"/>
           </a:xfrm>
           <a:prstGeom prst="rect">
             <a:avLst/>
@@ -3642,14 +3557,14 @@
       </p:sp>
       <p:sp>
         <p:nvSpPr>
-          <p:cNvPr id="117" name="TextBox 7"/>
+          <p:cNvPr id="115" name="TextBox 7"/>
           <p:cNvSpPr txBox="1"/>
           <p:nvPr/>
         </p:nvSpPr>
         <p:spPr>
           <a:xfrm>
-            <a:off x="714588" y="3053684"/>
-            <a:ext cx="16544713" cy="7575669"/>
+            <a:off x="714588" y="3053683"/>
+            <a:ext cx="16544713" cy="6813669"/>
           </a:xfrm>
           <a:prstGeom prst="rect">
             <a:avLst/>
@@ -3669,7 +3584,7 @@
           </a:bodyPr>
           <a:lstStyle/>
           <a:p>
-            <a:pPr lvl="1" marL="820089" indent="-410044">
+            <a:pPr lvl="1" marL="820088" indent="-410044">
               <a:lnSpc>
                 <a:spcPts val="6000"/>
               </a:lnSpc>
@@ -3684,11 +3599,11 @@
               </a:defRPr>
             </a:pPr>
             <a:r>
-              <a:t>Prathamesh Pardeshi: Focus on ACCOUNT_TYPE, OWNER and TENANT tables.</a:t>
-            </a:r>
-          </a:p>
-          <a:p>
-            <a:pPr lvl="1" marL="820089" indent="-410044">
+              <a:t>Prathamesh Pardeshi: Focus on LEASE_AGREEMENT, LEASE_PAYMENT tables, reports and respective procedures.</a:t>
+            </a:r>
+          </a:p>
+          <a:p>
+            <a:pPr lvl="1" marL="820088" indent="-410044">
               <a:lnSpc>
                 <a:spcPts val="6000"/>
               </a:lnSpc>
@@ -3703,11 +3618,11 @@
               </a:defRPr>
             </a:pPr>
             <a:r>
-              <a:t>Vedant Deshpande: Focus on the EMPLOYEES, ROLES, and REQUEST tables.</a:t>
-            </a:r>
-          </a:p>
-          <a:p>
-            <a:pPr lvl="1" marL="820089" indent="-410044">
+              <a:t>Vedant Deshpande: Focus on the REQUESTS, and HOUSE  tables and respective procedures.</a:t>
+            </a:r>
+          </a:p>
+          <a:p>
+            <a:pPr lvl="1" marL="820088" indent="-410044">
               <a:lnSpc>
                 <a:spcPts val="6000"/>
               </a:lnSpc>
@@ -3722,11 +3637,11 @@
               </a:defRPr>
             </a:pPr>
             <a:r>
-              <a:t>Aniket Bhore: Focus on HOUSE, LEASE AGREEMENT, LEASE_AGREEMENT table.</a:t>
-            </a:r>
-          </a:p>
-          <a:p>
-            <a:pPr lvl="1" marL="820089" indent="-410044">
+              <a:t>Aniket Bhore: Focus on ACCOUNT_TYPE, OWNER, EMPLOYEES and TENANT tables, triggers &amp; Views.</a:t>
+            </a:r>
+          </a:p>
+          <a:p>
+            <a:pPr lvl="1" marL="820088" indent="-410044">
               <a:lnSpc>
                 <a:spcPts val="6000"/>
               </a:lnSpc>
@@ -3741,27 +3656,14 @@
               </a:defRPr>
             </a:pPr>
             <a:r>
-              <a:t>Satadru Debnath: Focus on INSPECTION_CHECK and RESIDENT_MANAGEMENT tables.</a:t>
-            </a:r>
-          </a:p>
-          <a:p>
-            <a:pPr>
-              <a:lnSpc>
-                <a:spcPts val="6000"/>
-              </a:lnSpc>
-              <a:defRPr sz="3700">
-                <a:latin typeface="Times New Roman Medium"/>
-                <a:ea typeface="Times New Roman Medium"/>
-                <a:cs typeface="Times New Roman Medium"/>
-                <a:sym typeface="Times New Roman Medium"/>
-              </a:defRPr>
-            </a:pPr>
+              <a:t>Satadru Debnath: Focus on SECURITY_DEPOSIT_RETURN and RESIDENT_MANAGEMENT tables, reports and functions.</a:t>
+            </a:r>
           </a:p>
         </p:txBody>
       </p:sp>
       <p:sp>
         <p:nvSpPr>
-          <p:cNvPr id="118" name="TextBox 8"/>
+          <p:cNvPr id="116" name="TextBox 8"/>
           <p:cNvSpPr txBox="1"/>
           <p:nvPr/>
         </p:nvSpPr>
@@ -3835,14 +3737,14 @@
       </p:grpSpPr>
       <p:sp>
         <p:nvSpPr>
-          <p:cNvPr id="120" name="Freeform 3"/>
+          <p:cNvPr id="118" name="Freeform 3"/>
           <p:cNvSpPr/>
           <p:nvPr/>
         </p:nvSpPr>
         <p:spPr>
           <a:xfrm>
-            <a:off x="0" y="-1"/>
-            <a:ext cx="18287996" cy="2702421"/>
+            <a:off x="0" y="-2"/>
+            <a:ext cx="18287996" cy="2702423"/>
           </a:xfrm>
           <a:prstGeom prst="rect">
             <a:avLst/>
@@ -3855,7 +3757,7 @@
           </a:ln>
         </p:spPr>
         <p:txBody>
-          <a:bodyPr lIns="45719" rIns="45719"/>
+          <a:bodyPr lIns="45718" tIns="45718" rIns="45718" bIns="45718"/>
           <a:lstStyle/>
           <a:p>
             <a:pPr/>
@@ -3864,7 +3766,7 @@
       </p:sp>
       <p:pic>
         <p:nvPicPr>
-          <p:cNvPr id="121" name="Picture 5" descr="Picture 5"/>
+          <p:cNvPr id="119" name="Picture 5" descr="Picture 5"/>
           <p:cNvPicPr>
             <a:picLocks noChangeAspect="1"/>
           </p:cNvPicPr>
@@ -3881,8 +3783,8 @@
         </p:blipFill>
         <p:spPr>
           <a:xfrm>
-            <a:off x="2289811" y="2037009"/>
-            <a:ext cx="13708379" cy="7710964"/>
+            <a:off x="2289811" y="2037008"/>
+            <a:ext cx="13708379" cy="7710966"/>
           </a:xfrm>
           <a:prstGeom prst="rect">
             <a:avLst/>
@@ -3894,14 +3796,14 @@
       </p:pic>
       <p:sp>
         <p:nvSpPr>
-          <p:cNvPr id="122" name="TextBox 6"/>
+          <p:cNvPr id="120" name="TextBox 6"/>
           <p:cNvSpPr txBox="1"/>
           <p:nvPr/>
         </p:nvSpPr>
         <p:spPr>
           <a:xfrm>
             <a:off x="1028699" y="655885"/>
-            <a:ext cx="12868393" cy="2731748"/>
+            <a:ext cx="12868393" cy="1360148"/>
           </a:xfrm>
           <a:prstGeom prst="rect">
             <a:avLst/>
@@ -3945,14 +3847,14 @@
       </p:sp>
       <p:sp>
         <p:nvSpPr>
-          <p:cNvPr id="123" name="TextBox 7"/>
+          <p:cNvPr id="121" name="TextBox 7"/>
           <p:cNvSpPr txBox="1"/>
           <p:nvPr/>
         </p:nvSpPr>
         <p:spPr>
           <a:xfrm>
-            <a:off x="1028700" y="3053684"/>
-            <a:ext cx="16230600" cy="6051669"/>
+            <a:off x="1028700" y="3053683"/>
+            <a:ext cx="16230600" cy="5289669"/>
           </a:xfrm>
           <a:prstGeom prst="rect">
             <a:avLst/>
@@ -3972,7 +3874,7 @@
           </a:bodyPr>
           <a:lstStyle/>
           <a:p>
-            <a:pPr lvl="1" marL="820089" indent="-410044" algn="just">
+            <a:pPr lvl="1" marL="820088" indent="-410044" algn="just">
               <a:lnSpc>
                 <a:spcPts val="6000"/>
               </a:lnSpc>
@@ -3991,7 +3893,7 @@
             </a:r>
           </a:p>
           <a:p>
-            <a:pPr lvl="1" marL="820089" indent="-410044" algn="just">
+            <a:pPr lvl="1" marL="820088" indent="-410044" algn="just">
               <a:lnSpc>
                 <a:spcPts val="6000"/>
               </a:lnSpc>
@@ -4010,7 +3912,7 @@
             </a:r>
           </a:p>
           <a:p>
-            <a:pPr lvl="1" marL="820089" indent="-410044" algn="just">
+            <a:pPr lvl="1" marL="820088" indent="-410044" algn="just">
               <a:lnSpc>
                 <a:spcPts val="6000"/>
               </a:lnSpc>
@@ -4029,7 +3931,7 @@
             </a:r>
           </a:p>
           <a:p>
-            <a:pPr lvl="1" marL="820089" indent="-410044" algn="just">
+            <a:pPr lvl="1" marL="820088" indent="-410044" algn="just">
               <a:lnSpc>
                 <a:spcPts val="6000"/>
               </a:lnSpc>
@@ -4047,31 +3949,18 @@
               <a:t>Satadru Debnath: Data Insertion, PPT, Design and Implement Sequence.</a:t>
             </a:r>
           </a:p>
-          <a:p>
-            <a:pPr algn="just">
-              <a:lnSpc>
-                <a:spcPts val="6000"/>
-              </a:lnSpc>
-              <a:defRPr sz="3700">
-                <a:latin typeface="Times New Roman Medium"/>
-                <a:ea typeface="Times New Roman Medium"/>
-                <a:cs typeface="Times New Roman Medium"/>
-                <a:sym typeface="Times New Roman Medium"/>
-              </a:defRPr>
-            </a:pPr>
-          </a:p>
         </p:txBody>
       </p:sp>
       <p:sp>
         <p:nvSpPr>
-          <p:cNvPr id="124" name="TextBox 8"/>
+          <p:cNvPr id="122" name="TextBox 8"/>
           <p:cNvSpPr txBox="1"/>
           <p:nvPr/>
         </p:nvSpPr>
         <p:spPr>
           <a:xfrm>
             <a:off x="1038224" y="9258300"/>
-            <a:ext cx="191093" cy="302256"/>
+            <a:ext cx="191094" cy="302256"/>
           </a:xfrm>
           <a:prstGeom prst="rect">
             <a:avLst/>
@@ -4138,7 +4027,7 @@
       </p:grpSpPr>
       <p:sp>
         <p:nvSpPr>
-          <p:cNvPr id="126" name="Rectangle 3"/>
+          <p:cNvPr id="124" name="Rectangle 3"/>
           <p:cNvSpPr/>
           <p:nvPr/>
         </p:nvSpPr>
@@ -4160,7 +4049,7 @@
           </a:ln>
         </p:spPr>
         <p:txBody>
-          <a:bodyPr lIns="45719" rIns="45719" anchor="ctr"/>
+          <a:bodyPr lIns="45718" tIns="45718" rIns="45718" bIns="45718" anchor="ctr"/>
           <a:lstStyle/>
           <a:p>
             <a:pPr algn="ctr"/>
@@ -4169,14 +4058,14 @@
       </p:sp>
       <p:sp>
         <p:nvSpPr>
-          <p:cNvPr id="127" name="Rectangle 2"/>
+          <p:cNvPr id="125" name="Rectangle 2"/>
           <p:cNvSpPr txBox="1"/>
           <p:nvPr/>
         </p:nvSpPr>
         <p:spPr>
           <a:xfrm>
-            <a:off x="1264919" y="3695699"/>
-            <a:ext cx="15986762" cy="2629655"/>
+            <a:off x="1264918" y="3695699"/>
+            <a:ext cx="15986764" cy="2629653"/>
           </a:xfrm>
           <a:prstGeom prst="rect">
             <a:avLst/>
@@ -4191,7 +4080,7 @@
           </a:extLst>
         </p:spPr>
         <p:txBody>
-          <a:bodyPr lIns="45719" rIns="45719">
+          <a:bodyPr lIns="45718" tIns="45718" rIns="45718" bIns="45718">
             <a:spAutoFit/>
           </a:bodyPr>
           <a:lstStyle>
@@ -4275,14 +4164,14 @@
     </a:clrScheme>
     <a:fontScheme name="Office Theme">
       <a:majorFont>
+        <a:latin typeface="Calibri"/>
+        <a:ea typeface="Calibri"/>
+        <a:cs typeface="Calibri"/>
+      </a:majorFont>
+      <a:minorFont>
         <a:latin typeface="Helvetica"/>
         <a:ea typeface="Helvetica"/>
         <a:cs typeface="Helvetica"/>
-      </a:majorFont>
-      <a:minorFont>
-        <a:latin typeface="Calibri"/>
-        <a:ea typeface="Calibri"/>
-        <a:cs typeface="Calibri"/>
       </a:minorFont>
     </a:fontScheme>
     <a:fmtScheme name="Office Theme">
@@ -4377,9 +4266,9 @@
         </a:effectStyle>
         <a:effectStyle>
           <a:effectLst>
-            <a:outerShdw sx="100000" sy="100000" kx="0" ky="0" algn="b" rotWithShape="0" blurRad="38100" dist="20000" dir="5400000">
+            <a:outerShdw sx="100000" sy="100000" kx="0" ky="0" algn="b" rotWithShape="0" blurRad="38100" dist="23000" dir="5400000">
               <a:srgbClr val="000000">
-                <a:alpha val="38000"/>
+                <a:alpha val="35000"/>
               </a:srgbClr>
             </a:outerShdw>
           </a:effectLst>
@@ -4459,7 +4348,7 @@
         </a:effectLst>
         <a:sp3d/>
       </a:spPr>
-      <a:bodyPr rot="0" spcFirstLastPara="1" vertOverflow="overflow" horzOverflow="overflow" vert="horz" wrap="square" lIns="45719" tIns="45719" rIns="45719" bIns="45719" numCol="1" spcCol="38100" rtlCol="0" anchor="ctr" upright="0">
+      <a:bodyPr rot="0" spcFirstLastPara="1" vertOverflow="overflow" horzOverflow="overflow" vert="horz" wrap="square" lIns="45718" tIns="45718" rIns="45718" bIns="45718" numCol="1" spcCol="38100" rtlCol="0" anchor="ctr" upright="0">
         <a:spAutoFit/>
       </a:bodyPr>
       <a:lstStyle>
@@ -4487,9 +4376,9 @@
             </a:solidFill>
             <a:effectLst/>
             <a:uFillTx/>
-            <a:latin typeface="+mn-lt"/>
-            <a:ea typeface="+mn-ea"/>
-            <a:cs typeface="+mn-cs"/>
+            <a:latin typeface="+mj-lt"/>
+            <a:ea typeface="+mj-ea"/>
+            <a:cs typeface="+mj-cs"/>
             <a:sym typeface="Calibri"/>
           </a:defRPr>
         </a:defPPr>
@@ -4746,9 +4635,9 @@
           <a:round/>
         </a:ln>
         <a:effectLst>
-          <a:outerShdw sx="100000" sy="100000" kx="0" ky="0" algn="b" rotWithShape="0" blurRad="38100" dist="20000" dir="5400000">
+          <a:outerShdw sx="100000" sy="100000" kx="0" ky="0" algn="b" rotWithShape="0" blurRad="38100" dist="23000" dir="5400000">
             <a:srgbClr val="000000">
-              <a:alpha val="38000"/>
+              <a:alpha val="35000"/>
             </a:srgbClr>
           </a:outerShdw>
         </a:effectLst>
@@ -5036,7 +4925,7 @@
         <a:effectLst/>
         <a:sp3d/>
       </a:spPr>
-      <a:bodyPr rot="0" spcFirstLastPara="1" vertOverflow="overflow" horzOverflow="overflow" vert="horz" wrap="square" lIns="45719" tIns="45719" rIns="45719" bIns="45719" numCol="1" spcCol="38100" rtlCol="0" anchor="t" upright="0">
+      <a:bodyPr rot="0" spcFirstLastPara="1" vertOverflow="overflow" horzOverflow="overflow" vert="horz" wrap="square" lIns="45718" tIns="45718" rIns="45718" bIns="45718" numCol="1" spcCol="38100" rtlCol="0" anchor="t" upright="0">
         <a:spAutoFit/>
       </a:bodyPr>
       <a:lstStyle>
@@ -5064,9 +4953,9 @@
             </a:solidFill>
             <a:effectLst/>
             <a:uFillTx/>
-            <a:latin typeface="+mn-lt"/>
-            <a:ea typeface="+mn-ea"/>
-            <a:cs typeface="+mn-cs"/>
+            <a:latin typeface="+mj-lt"/>
+            <a:ea typeface="+mj-ea"/>
+            <a:cs typeface="+mj-cs"/>
             <a:sym typeface="Calibri"/>
           </a:defRPr>
         </a:defPPr>
@@ -5359,14 +5248,14 @@
     </a:clrScheme>
     <a:fontScheme name="Office Theme">
       <a:majorFont>
+        <a:latin typeface="Calibri"/>
+        <a:ea typeface="Calibri"/>
+        <a:cs typeface="Calibri"/>
+      </a:majorFont>
+      <a:minorFont>
         <a:latin typeface="Helvetica"/>
         <a:ea typeface="Helvetica"/>
         <a:cs typeface="Helvetica"/>
-      </a:majorFont>
-      <a:minorFont>
-        <a:latin typeface="Calibri"/>
-        <a:ea typeface="Calibri"/>
-        <a:cs typeface="Calibri"/>
       </a:minorFont>
     </a:fontScheme>
     <a:fmtScheme name="Office Theme">
@@ -5461,9 +5350,9 @@
         </a:effectStyle>
         <a:effectStyle>
           <a:effectLst>
-            <a:outerShdw sx="100000" sy="100000" kx="0" ky="0" algn="b" rotWithShape="0" blurRad="38100" dist="20000" dir="5400000">
+            <a:outerShdw sx="100000" sy="100000" kx="0" ky="0" algn="b" rotWithShape="0" blurRad="38100" dist="23000" dir="5400000">
               <a:srgbClr val="000000">
-                <a:alpha val="38000"/>
+                <a:alpha val="35000"/>
               </a:srgbClr>
             </a:outerShdw>
           </a:effectLst>
@@ -5543,7 +5432,7 @@
         </a:effectLst>
         <a:sp3d/>
       </a:spPr>
-      <a:bodyPr rot="0" spcFirstLastPara="1" vertOverflow="overflow" horzOverflow="overflow" vert="horz" wrap="square" lIns="45719" tIns="45719" rIns="45719" bIns="45719" numCol="1" spcCol="38100" rtlCol="0" anchor="ctr" upright="0">
+      <a:bodyPr rot="0" spcFirstLastPara="1" vertOverflow="overflow" horzOverflow="overflow" vert="horz" wrap="square" lIns="45718" tIns="45718" rIns="45718" bIns="45718" numCol="1" spcCol="38100" rtlCol="0" anchor="ctr" upright="0">
         <a:spAutoFit/>
       </a:bodyPr>
       <a:lstStyle>
@@ -5571,9 +5460,9 @@
             </a:solidFill>
             <a:effectLst/>
             <a:uFillTx/>
-            <a:latin typeface="+mn-lt"/>
-            <a:ea typeface="+mn-ea"/>
-            <a:cs typeface="+mn-cs"/>
+            <a:latin typeface="+mj-lt"/>
+            <a:ea typeface="+mj-ea"/>
+            <a:cs typeface="+mj-cs"/>
             <a:sym typeface="Calibri"/>
           </a:defRPr>
         </a:defPPr>
@@ -5830,9 +5719,9 @@
           <a:round/>
         </a:ln>
         <a:effectLst>
-          <a:outerShdw sx="100000" sy="100000" kx="0" ky="0" algn="b" rotWithShape="0" blurRad="38100" dist="20000" dir="5400000">
+          <a:outerShdw sx="100000" sy="100000" kx="0" ky="0" algn="b" rotWithShape="0" blurRad="38100" dist="23000" dir="5400000">
             <a:srgbClr val="000000">
-              <a:alpha val="38000"/>
+              <a:alpha val="35000"/>
             </a:srgbClr>
           </a:outerShdw>
         </a:effectLst>
@@ -6120,7 +6009,7 @@
         <a:effectLst/>
         <a:sp3d/>
       </a:spPr>
-      <a:bodyPr rot="0" spcFirstLastPara="1" vertOverflow="overflow" horzOverflow="overflow" vert="horz" wrap="square" lIns="45719" tIns="45719" rIns="45719" bIns="45719" numCol="1" spcCol="38100" rtlCol="0" anchor="t" upright="0">
+      <a:bodyPr rot="0" spcFirstLastPara="1" vertOverflow="overflow" horzOverflow="overflow" vert="horz" wrap="square" lIns="45718" tIns="45718" rIns="45718" bIns="45718" numCol="1" spcCol="38100" rtlCol="0" anchor="t" upright="0">
         <a:spAutoFit/>
       </a:bodyPr>
       <a:lstStyle>
@@ -6148,9 +6037,9 @@
             </a:solidFill>
             <a:effectLst/>
             <a:uFillTx/>
-            <a:latin typeface="+mn-lt"/>
-            <a:ea typeface="+mn-ea"/>
-            <a:cs typeface="+mn-cs"/>
+            <a:latin typeface="+mj-lt"/>
+            <a:ea typeface="+mj-ea"/>
+            <a:cs typeface="+mj-cs"/>
             <a:sym typeface="Calibri"/>
           </a:defRPr>
         </a:defPPr>
